--- a/slides/slides.pptx
+++ b/slides/slides.pptx
@@ -10814,7 +10814,7 @@
               <a:t>Packaged </a:t>
             </a:r>
             <a:r>
-              <a:rPr lang="en-US" sz="2400" smtClean="0"/>
+              <a:rPr lang="en-US" sz="2400" dirty="0" smtClean="0"/>
               <a:t>with most current </a:t>
             </a:r>
             <a:r>

--- a/slides/slides.pptx
+++ b/slides/slides.pptx
@@ -279,7 +279,7 @@
           <a:p>
             <a:fld id="{A21CA8CF-3BAC-A64F-85D8-2B6F3ABA07E1}" type="datetimeFigureOut">
               <a:rPr lang="en-US" smtClean="0"/>
-              <a:t>10/23/17</a:t>
+              <a:t>11/1/17</a:t>
             </a:fld>
             <a:endParaRPr lang="en-US"/>
           </a:p>
@@ -2634,7 +2634,7 @@
           <a:p>
             <a:fld id="{E4EF6E88-B4ED-B54A-A79D-04CCBE4B33D5}" type="datetimeFigureOut">
               <a:rPr lang="en-US" smtClean="0"/>
-              <a:t>10/23/17</a:t>
+              <a:t>11/1/17</a:t>
             </a:fld>
             <a:endParaRPr lang="en-US"/>
           </a:p>
@@ -2804,7 +2804,7 @@
           <a:p>
             <a:fld id="{E4EF6E88-B4ED-B54A-A79D-04CCBE4B33D5}" type="datetimeFigureOut">
               <a:rPr lang="en-US" smtClean="0"/>
-              <a:t>10/23/17</a:t>
+              <a:t>11/1/17</a:t>
             </a:fld>
             <a:endParaRPr lang="en-US"/>
           </a:p>
@@ -2984,7 +2984,7 @@
           <a:p>
             <a:fld id="{E4EF6E88-B4ED-B54A-A79D-04CCBE4B33D5}" type="datetimeFigureOut">
               <a:rPr lang="en-US" smtClean="0"/>
-              <a:t>10/23/17</a:t>
+              <a:t>11/1/17</a:t>
             </a:fld>
             <a:endParaRPr lang="en-US"/>
           </a:p>
@@ -4839,7 +4839,7 @@
           <a:p>
             <a:fld id="{E4EF6E88-B4ED-B54A-A79D-04CCBE4B33D5}" type="datetimeFigureOut">
               <a:rPr lang="en-US" smtClean="0"/>
-              <a:t>10/23/17</a:t>
+              <a:t>11/1/17</a:t>
             </a:fld>
             <a:endParaRPr lang="en-US"/>
           </a:p>
@@ -7288,7 +7288,7 @@
           <a:p>
             <a:fld id="{E4EF6E88-B4ED-B54A-A79D-04CCBE4B33D5}" type="datetimeFigureOut">
               <a:rPr lang="en-US" smtClean="0"/>
-              <a:t>10/23/17</a:t>
+              <a:t>11/1/17</a:t>
             </a:fld>
             <a:endParaRPr lang="en-US"/>
           </a:p>
@@ -7520,7 +7520,7 @@
           <a:p>
             <a:fld id="{E4EF6E88-B4ED-B54A-A79D-04CCBE4B33D5}" type="datetimeFigureOut">
               <a:rPr lang="en-US" smtClean="0"/>
-              <a:t>10/23/17</a:t>
+              <a:t>11/1/17</a:t>
             </a:fld>
             <a:endParaRPr lang="en-US"/>
           </a:p>
@@ -7887,7 +7887,7 @@
           <a:p>
             <a:fld id="{E4EF6E88-B4ED-B54A-A79D-04CCBE4B33D5}" type="datetimeFigureOut">
               <a:rPr lang="en-US" smtClean="0"/>
-              <a:t>10/23/17</a:t>
+              <a:t>11/1/17</a:t>
             </a:fld>
             <a:endParaRPr lang="en-US"/>
           </a:p>
@@ -8005,7 +8005,7 @@
           <a:p>
             <a:fld id="{E4EF6E88-B4ED-B54A-A79D-04CCBE4B33D5}" type="datetimeFigureOut">
               <a:rPr lang="en-US" smtClean="0"/>
-              <a:t>10/23/17</a:t>
+              <a:t>11/1/17</a:t>
             </a:fld>
             <a:endParaRPr lang="en-US"/>
           </a:p>
@@ -8100,7 +8100,7 @@
           <a:p>
             <a:fld id="{E4EF6E88-B4ED-B54A-A79D-04CCBE4B33D5}" type="datetimeFigureOut">
               <a:rPr lang="en-US" smtClean="0"/>
-              <a:t>10/23/17</a:t>
+              <a:t>11/1/17</a:t>
             </a:fld>
             <a:endParaRPr lang="en-US"/>
           </a:p>
@@ -8377,7 +8377,7 @@
           <a:p>
             <a:fld id="{E4EF6E88-B4ED-B54A-A79D-04CCBE4B33D5}" type="datetimeFigureOut">
               <a:rPr lang="en-US" smtClean="0"/>
-              <a:t>10/23/17</a:t>
+              <a:t>11/1/17</a:t>
             </a:fld>
             <a:endParaRPr lang="en-US"/>
           </a:p>
@@ -8630,7 +8630,7 @@
           <a:p>
             <a:fld id="{E4EF6E88-B4ED-B54A-A79D-04CCBE4B33D5}" type="datetimeFigureOut">
               <a:rPr lang="en-US" smtClean="0"/>
-              <a:t>10/23/17</a:t>
+              <a:t>11/1/17</a:t>
             </a:fld>
             <a:endParaRPr lang="en-US"/>
           </a:p>
@@ -8843,7 +8843,7 @@
           <a:p>
             <a:fld id="{E4EF6E88-B4ED-B54A-A79D-04CCBE4B33D5}" type="datetimeFigureOut">
               <a:rPr lang="en-US" smtClean="0"/>
-              <a:t>10/23/17</a:t>
+              <a:t>11/1/17</a:t>
             </a:fld>
             <a:endParaRPr lang="en-US"/>
           </a:p>
@@ -10177,7 +10177,7 @@
 </file>
 
 <file path=ppt/slides/slide11.xml><?xml version="1.0" encoding="utf-8"?>
-<p:sld xmlns:a="http://schemas.openxmlformats.org/drawingml/2006/main" xmlns:r="http://schemas.openxmlformats.org/officeDocument/2006/relationships" xmlns:p="http://schemas.openxmlformats.org/presentationml/2006/main">
+<p:sld xmlns:a="http://schemas.openxmlformats.org/drawingml/2006/main" xmlns:r="http://schemas.openxmlformats.org/officeDocument/2006/relationships" xmlns:p="http://schemas.openxmlformats.org/presentationml/2006/main" show="0">
   <p:cSld>
     <p:spTree>
       <p:nvGrpSpPr>
@@ -10395,6 +10395,14 @@
   <p:clrMapOvr>
     <a:masterClrMapping/>
   </p:clrMapOvr>
+  <mc:AlternateContent xmlns:mc="http://schemas.openxmlformats.org/markup-compatibility/2006">
+    <mc:Choice xmlns:p14="http://schemas.microsoft.com/office/powerpoint/2010/main" Requires="p14">
+      <p:transition spd="slow" p14:dur="2000"/>
+    </mc:Choice>
+    <mc:Fallback>
+      <p:transition spd="slow"/>
+    </mc:Fallback>
+  </mc:AlternateContent>
   <p:timing>
     <p:tnLst>
       <p:par>
@@ -10406,7 +10414,7 @@
 </file>
 
 <file path=ppt/slides/slide12.xml><?xml version="1.0" encoding="utf-8"?>
-<p:sld xmlns:a="http://schemas.openxmlformats.org/drawingml/2006/main" xmlns:r="http://schemas.openxmlformats.org/officeDocument/2006/relationships" xmlns:p="http://schemas.openxmlformats.org/presentationml/2006/main">
+<p:sld xmlns:a="http://schemas.openxmlformats.org/drawingml/2006/main" xmlns:r="http://schemas.openxmlformats.org/officeDocument/2006/relationships" xmlns:p="http://schemas.openxmlformats.org/presentationml/2006/main" show="0">
   <p:cSld>
     <p:spTree>
       <p:nvGrpSpPr>
@@ -10528,19 +10536,7 @@
               <a:rPr lang="en-US" sz="1867" dirty="0">
                 <a:hlinkClick r:id="rId4"/>
               </a:rPr>
-              <a:t>https</a:t>
-            </a:r>
-            <a:r>
-              <a:rPr lang="en-US" sz="1867" dirty="0">
-                <a:hlinkClick r:id="rId4"/>
-              </a:rPr>
-              <a:t>://</a:t>
-            </a:r>
-            <a:r>
-              <a:rPr lang="en-US" sz="1867" dirty="0">
-                <a:hlinkClick r:id="rId4"/>
-              </a:rPr>
-              <a:t>github.com/weaveworks/kubernetes-ami</a:t>
+              <a:t>https://github.com/weaveworks/kubernetes-ami</a:t>
             </a:r>
             <a:endParaRPr lang="en-US" sz="1867" dirty="0"/>
           </a:p>
@@ -10593,6 +10589,14 @@
   <p:clrMapOvr>
     <a:masterClrMapping/>
   </p:clrMapOvr>
+  <mc:AlternateContent xmlns:mc="http://schemas.openxmlformats.org/markup-compatibility/2006">
+    <mc:Choice xmlns:p14="http://schemas.microsoft.com/office/powerpoint/2010/main" Requires="p14">
+      <p:transition spd="slow" p14:dur="2000"/>
+    </mc:Choice>
+    <mc:Fallback>
+      <p:transition spd="slow"/>
+    </mc:Fallback>
+  </mc:AlternateContent>
   <p:timing>
     <p:tnLst>
       <p:par>
@@ -10604,7 +10608,7 @@
 </file>
 
 <file path=ppt/slides/slide13.xml><?xml version="1.0" encoding="utf-8"?>
-<p:sld xmlns:a="http://schemas.openxmlformats.org/drawingml/2006/main" xmlns:r="http://schemas.openxmlformats.org/officeDocument/2006/relationships" xmlns:p="http://schemas.openxmlformats.org/presentationml/2006/main">
+<p:sld xmlns:a="http://schemas.openxmlformats.org/drawingml/2006/main" xmlns:r="http://schemas.openxmlformats.org/officeDocument/2006/relationships" xmlns:p="http://schemas.openxmlformats.org/presentationml/2006/main" show="0">
   <p:cSld>
     <p:spTree>
       <p:nvGrpSpPr>
@@ -10690,6 +10694,14 @@
   <p:clrMapOvr>
     <a:masterClrMapping/>
   </p:clrMapOvr>
+  <mc:AlternateContent xmlns:mc="http://schemas.openxmlformats.org/markup-compatibility/2006">
+    <mc:Choice xmlns:p14="http://schemas.microsoft.com/office/powerpoint/2010/main" Requires="p14">
+      <p:transition spd="slow" p14:dur="2000"/>
+    </mc:Choice>
+    <mc:Fallback>
+      <p:transition spd="slow"/>
+    </mc:Fallback>
+  </mc:AlternateContent>
   <p:timing>
     <p:tnLst>
       <p:par>
@@ -10701,7 +10713,7 @@
 </file>
 
 <file path=ppt/slides/slide14.xml><?xml version="1.0" encoding="utf-8"?>
-<p:sld xmlns:a="http://schemas.openxmlformats.org/drawingml/2006/main" xmlns:r="http://schemas.openxmlformats.org/officeDocument/2006/relationships" xmlns:p="http://schemas.openxmlformats.org/presentationml/2006/main">
+<p:sld xmlns:a="http://schemas.openxmlformats.org/drawingml/2006/main" xmlns:r="http://schemas.openxmlformats.org/officeDocument/2006/relationships" xmlns:p="http://schemas.openxmlformats.org/presentationml/2006/main" show="0">
   <p:cSld>
     <p:spTree>
       <p:nvGrpSpPr>
@@ -10786,15 +10798,7 @@
             </a:pPr>
             <a:r>
               <a:rPr lang="en-US" sz="2400" dirty="0"/>
-              <a:t>Tectonic is an “enterprise </a:t>
-            </a:r>
-            <a:r>
-              <a:rPr lang="en-US" sz="2400" dirty="0"/>
-              <a:t>d</a:t>
-            </a:r>
-            <a:r>
-              <a:rPr lang="en-US" sz="2400" dirty="0"/>
-              <a:t>istribution” of Kubernetes produced by CoreOS</a:t>
+              <a:t>Tectonic is an “enterprise distribution” of Kubernetes produced by CoreOS</a:t>
             </a:r>
           </a:p>
           <a:p>
@@ -10911,6 +10915,14 @@
   <p:clrMapOvr>
     <a:masterClrMapping/>
   </p:clrMapOvr>
+  <mc:AlternateContent xmlns:mc="http://schemas.openxmlformats.org/markup-compatibility/2006">
+    <mc:Choice xmlns:p14="http://schemas.microsoft.com/office/powerpoint/2010/main" Requires="p14">
+      <p:transition spd="slow" p14:dur="2000"/>
+    </mc:Choice>
+    <mc:Fallback>
+      <p:transition spd="slow"/>
+    </mc:Fallback>
+  </mc:AlternateContent>
   <p:timing>
     <p:tnLst>
       <p:par>
@@ -10922,7 +10934,7 @@
 </file>
 
 <file path=ppt/slides/slide15.xml><?xml version="1.0" encoding="utf-8"?>
-<p:sld xmlns:a="http://schemas.openxmlformats.org/drawingml/2006/main" xmlns:r="http://schemas.openxmlformats.org/officeDocument/2006/relationships" xmlns:p="http://schemas.openxmlformats.org/presentationml/2006/main">
+<p:sld xmlns:a="http://schemas.openxmlformats.org/drawingml/2006/main" xmlns:r="http://schemas.openxmlformats.org/officeDocument/2006/relationships" xmlns:p="http://schemas.openxmlformats.org/presentationml/2006/main" show="0">
   <p:cSld>
     <p:spTree>
       <p:nvGrpSpPr>
@@ -11089,7 +11101,6 @@
               <a:rPr lang="en-US" sz="2400" dirty="0"/>
               <a:t>LDAP integration + RBAC</a:t>
             </a:r>
-            <a:endParaRPr lang="en-US" sz="2400" dirty="0"/>
           </a:p>
         </p:txBody>
       </p:sp>
@@ -11103,6 +11114,14 @@
   <p:clrMapOvr>
     <a:masterClrMapping/>
   </p:clrMapOvr>
+  <mc:AlternateContent xmlns:mc="http://schemas.openxmlformats.org/markup-compatibility/2006">
+    <mc:Choice xmlns:p14="http://schemas.microsoft.com/office/powerpoint/2010/main" Requires="p14">
+      <p:transition spd="slow" p14:dur="2000"/>
+    </mc:Choice>
+    <mc:Fallback>
+      <p:transition spd="slow"/>
+    </mc:Fallback>
+  </mc:AlternateContent>
   <p:timing>
     <p:tnLst>
       <p:par>
@@ -11114,7 +11133,7 @@
 </file>
 
 <file path=ppt/slides/slide16.xml><?xml version="1.0" encoding="utf-8"?>
-<p:sld xmlns:a="http://schemas.openxmlformats.org/drawingml/2006/main" xmlns:r="http://schemas.openxmlformats.org/officeDocument/2006/relationships" xmlns:p="http://schemas.openxmlformats.org/presentationml/2006/main">
+<p:sld xmlns:a="http://schemas.openxmlformats.org/drawingml/2006/main" xmlns:r="http://schemas.openxmlformats.org/officeDocument/2006/relationships" xmlns:p="http://schemas.openxmlformats.org/presentationml/2006/main" show="0">
   <p:cSld>
     <p:spTree>
       <p:nvGrpSpPr>
@@ -11309,6 +11328,14 @@
   <p:clrMapOvr>
     <a:masterClrMapping/>
   </p:clrMapOvr>
+  <mc:AlternateContent xmlns:mc="http://schemas.openxmlformats.org/markup-compatibility/2006">
+    <mc:Choice xmlns:p14="http://schemas.microsoft.com/office/powerpoint/2010/main" Requires="p14">
+      <p:transition spd="slow" p14:dur="2000"/>
+    </mc:Choice>
+    <mc:Fallback>
+      <p:transition spd="slow"/>
+    </mc:Fallback>
+  </mc:AlternateContent>
   <p:timing>
     <p:tnLst>
       <p:par>
@@ -11320,7 +11347,7 @@
 </file>
 
 <file path=ppt/slides/slide17.xml><?xml version="1.0" encoding="utf-8"?>
-<p:sld xmlns:a="http://schemas.openxmlformats.org/drawingml/2006/main" xmlns:r="http://schemas.openxmlformats.org/officeDocument/2006/relationships" xmlns:p="http://schemas.openxmlformats.org/presentationml/2006/main">
+<p:sld xmlns:a="http://schemas.openxmlformats.org/drawingml/2006/main" xmlns:r="http://schemas.openxmlformats.org/officeDocument/2006/relationships" xmlns:p="http://schemas.openxmlformats.org/presentationml/2006/main" show="0">
   <p:cSld>
     <p:spTree>
       <p:nvGrpSpPr>
@@ -11557,6 +11584,14 @@
   <p:clrMapOvr>
     <a:masterClrMapping/>
   </p:clrMapOvr>
+  <mc:AlternateContent xmlns:mc="http://schemas.openxmlformats.org/markup-compatibility/2006">
+    <mc:Choice xmlns:p14="http://schemas.microsoft.com/office/powerpoint/2010/main" Requires="p14">
+      <p:transition spd="slow" p14:dur="2000"/>
+    </mc:Choice>
+    <mc:Fallback>
+      <p:transition spd="slow"/>
+    </mc:Fallback>
+  </mc:AlternateContent>
   <p:timing>
     <p:tnLst>
       <p:par>
@@ -11600,10 +11635,6 @@
           <a:lstStyle/>
           <a:p>
             <a:r>
-              <a:rPr lang="en-US" dirty="0" smtClean="0"/>
-              <a:t>Others: </a:t>
-            </a:r>
-            <a:r>
               <a:rPr lang="en-US" dirty="0" err="1" smtClean="0"/>
               <a:t>KubeADM</a:t>
             </a:r>
@@ -11737,7 +11768,6 @@
               <a:rPr lang="en-US" sz="2400" dirty="0"/>
               <a:t> </a:t>
             </a:r>
-            <a:endParaRPr lang="en-US" sz="2400" dirty="0"/>
           </a:p>
           <a:p>
             <a:pPr marL="380990" indent="-380990">
@@ -11779,7 +11809,6 @@
               <a:rPr lang="en-US" sz="2400" dirty="0"/>
               <a:t> join` joins the cluster</a:t>
             </a:r>
-            <a:endParaRPr lang="en-US" sz="2400" dirty="0"/>
           </a:p>
         </p:txBody>
       </p:sp>
@@ -12153,15 +12182,7 @@
                       </a:r>
                       <a:r>
                         <a:rPr lang="en-US" sz="1900" b="1" baseline="0" dirty="0" smtClean="0"/>
-                        <a:t> to Kubernetes [Concepts, Cluster Deployments </a:t>
-                      </a:r>
-                      <a:r>
-                        <a:rPr lang="en-US" sz="1900" b="1" baseline="0" dirty="0" smtClean="0"/>
-                        <a:t>(Kops</a:t>
-                      </a:r>
-                      <a:r>
-                        <a:rPr lang="en-US" sz="1900" b="1" baseline="0" dirty="0" smtClean="0"/>
-                        <a:t>, </a:t>
+                        <a:t> to Kubernetes [Concepts, Cluster Deployments (Kops, </a:t>
                       </a:r>
                       <a:r>
                         <a:rPr lang="en-US" sz="1900" b="1" baseline="0" dirty="0" err="1" smtClean="0"/>
@@ -12169,11 +12190,7 @@
                       </a:r>
                       <a:r>
                         <a:rPr lang="en-US" sz="1900" b="1" baseline="0" dirty="0" smtClean="0"/>
-                        <a:t>, Tectonic </a:t>
-                      </a:r>
-                      <a:r>
-                        <a:rPr lang="en-US" sz="1900" b="1" baseline="0" dirty="0" smtClean="0"/>
-                        <a:t>etc.)]</a:t>
+                        <a:t>, Tectonic etc.)]</a:t>
                       </a:r>
                       <a:endParaRPr lang="en-US" sz="1900" b="1" dirty="0" smtClean="0"/>
                     </a:p>
@@ -13190,6 +13207,13 @@
   <p:clrMapOvr>
     <a:masterClrMapping/>
   </p:clrMapOvr>
+  <p:timing>
+    <p:tnLst>
+      <p:par>
+        <p:cTn id="1" dur="indefinite" restart="never" nodeType="tmRoot"/>
+      </p:par>
+    </p:tnLst>
+  </p:timing>
 </p:sld>
 </file>
 
@@ -13421,6 +13445,13 @@
   <p:clrMapOvr>
     <a:masterClrMapping/>
   </p:clrMapOvr>
+  <p:timing>
+    <p:tnLst>
+      <p:par>
+        <p:cTn id="1" dur="indefinite" restart="never" nodeType="tmRoot"/>
+      </p:par>
+    </p:tnLst>
+  </p:timing>
 </p:sld>
 </file>
 
@@ -13652,6 +13683,13 @@
   <p:clrMapOvr>
     <a:masterClrMapping/>
   </p:clrMapOvr>
+  <p:timing>
+    <p:tnLst>
+      <p:par>
+        <p:cTn id="1" dur="indefinite" restart="never" nodeType="tmRoot"/>
+      </p:par>
+    </p:tnLst>
+  </p:timing>
 </p:sld>
 </file>
 
@@ -14008,6 +14046,13 @@
   <p:clrMapOvr>
     <a:masterClrMapping/>
   </p:clrMapOvr>
+  <p:timing>
+    <p:tnLst>
+      <p:par>
+        <p:cTn id="1" dur="indefinite" restart="never" nodeType="tmRoot"/>
+      </p:par>
+    </p:tnLst>
+  </p:timing>
 </p:sld>
 </file>
 
@@ -17186,11 +17231,7 @@
             </a:pPr>
             <a:r>
               <a:rPr lang="en-US" dirty="0" smtClean="0"/>
-              <a:t>A Cloud Native Computing Foundation </a:t>
-            </a:r>
-            <a:r>
-              <a:rPr lang="en-US" dirty="0" smtClean="0"/>
-              <a:t>(CNCF) project</a:t>
+              <a:t>A Cloud Native Computing Foundation (CNCF) project</a:t>
             </a:r>
             <a:endParaRPr lang="en-US" dirty="0"/>
           </a:p>
@@ -17208,15 +17249,7 @@
             <a:pPr lvl="1"/>
             <a:r>
               <a:rPr lang="en-US" dirty="0" smtClean="0"/>
-              <a:t>&gt;</a:t>
-            </a:r>
-            <a:r>
-              <a:rPr lang="en-US" dirty="0" smtClean="0"/>
-              <a:t>28K </a:t>
-            </a:r>
-            <a:r>
-              <a:rPr lang="en-US" dirty="0" smtClean="0"/>
-              <a:t>stars, &gt;1900 contributors</a:t>
+              <a:t>&gt;28K stars, &gt;1900 contributors</a:t>
             </a:r>
             <a:endParaRPr dirty="0"/>
           </a:p>
@@ -17386,9 +17419,515 @@
   <p:timing>
     <p:tnLst>
       <p:par>
-        <p:cTn id="1" dur="indefinite" restart="never" fill="hold" nodeType="tmRoot"/>
+        <p:cTn id="1" dur="indefinite" restart="never" fill="hold" nodeType="tmRoot">
+          <p:childTnLst>
+            <p:seq concurrent="1" nextAc="seek">
+              <p:cTn id="2" dur="indefinite" nodeType="mainSeq">
+                <p:childTnLst>
+                  <p:par>
+                    <p:cTn id="3" fill="hold">
+                      <p:stCondLst>
+                        <p:cond delay="indefinite"/>
+                      </p:stCondLst>
+                      <p:childTnLst>
+                        <p:par>
+                          <p:cTn id="4" fill="hold">
+                            <p:stCondLst>
+                              <p:cond delay="0"/>
+                            </p:stCondLst>
+                            <p:childTnLst>
+                              <p:par>
+                                <p:cTn id="5" presetID="1" presetClass="entr" presetSubtype="0" fill="hold" grpId="0" nodeType="clickEffect">
+                                  <p:stCondLst>
+                                    <p:cond delay="0"/>
+                                  </p:stCondLst>
+                                  <p:childTnLst>
+                                    <p:set>
+                                      <p:cBhvr>
+                                        <p:cTn id="6" dur="1" fill="hold">
+                                          <p:stCondLst>
+                                            <p:cond delay="0"/>
+                                          </p:stCondLst>
+                                        </p:cTn>
+                                        <p:tgtEl>
+                                          <p:spTgt spid="112">
+                                            <p:txEl>
+                                              <p:pRg st="0" end="0"/>
+                                            </p:txEl>
+                                          </p:spTgt>
+                                        </p:tgtEl>
+                                        <p:attrNameLst>
+                                          <p:attrName>style.visibility</p:attrName>
+                                        </p:attrNameLst>
+                                      </p:cBhvr>
+                                      <p:to>
+                                        <p:strVal val="visible"/>
+                                      </p:to>
+                                    </p:set>
+                                  </p:childTnLst>
+                                </p:cTn>
+                              </p:par>
+                            </p:childTnLst>
+                          </p:cTn>
+                        </p:par>
+                      </p:childTnLst>
+                    </p:cTn>
+                  </p:par>
+                  <p:par>
+                    <p:cTn id="7" fill="hold">
+                      <p:stCondLst>
+                        <p:cond delay="indefinite"/>
+                      </p:stCondLst>
+                      <p:childTnLst>
+                        <p:par>
+                          <p:cTn id="8" fill="hold">
+                            <p:stCondLst>
+                              <p:cond delay="0"/>
+                            </p:stCondLst>
+                            <p:childTnLst>
+                              <p:par>
+                                <p:cTn id="9" presetID="1" presetClass="entr" presetSubtype="0" fill="hold" grpId="0" nodeType="clickEffect">
+                                  <p:stCondLst>
+                                    <p:cond delay="0"/>
+                                  </p:stCondLst>
+                                  <p:childTnLst>
+                                    <p:set>
+                                      <p:cBhvr>
+                                        <p:cTn id="10" dur="1" fill="hold">
+                                          <p:stCondLst>
+                                            <p:cond delay="0"/>
+                                          </p:stCondLst>
+                                        </p:cTn>
+                                        <p:tgtEl>
+                                          <p:spTgt spid="112">
+                                            <p:txEl>
+                                              <p:pRg st="1" end="1"/>
+                                            </p:txEl>
+                                          </p:spTgt>
+                                        </p:tgtEl>
+                                        <p:attrNameLst>
+                                          <p:attrName>style.visibility</p:attrName>
+                                        </p:attrNameLst>
+                                      </p:cBhvr>
+                                      <p:to>
+                                        <p:strVal val="visible"/>
+                                      </p:to>
+                                    </p:set>
+                                  </p:childTnLst>
+                                </p:cTn>
+                              </p:par>
+                              <p:par>
+                                <p:cTn id="11" presetID="1" presetClass="entr" presetSubtype="0" fill="hold" grpId="0" nodeType="withEffect">
+                                  <p:stCondLst>
+                                    <p:cond delay="0"/>
+                                  </p:stCondLst>
+                                  <p:childTnLst>
+                                    <p:set>
+                                      <p:cBhvr>
+                                        <p:cTn id="12" dur="1" fill="hold">
+                                          <p:stCondLst>
+                                            <p:cond delay="0"/>
+                                          </p:stCondLst>
+                                        </p:cTn>
+                                        <p:tgtEl>
+                                          <p:spTgt spid="112">
+                                            <p:txEl>
+                                              <p:pRg st="2" end="2"/>
+                                            </p:txEl>
+                                          </p:spTgt>
+                                        </p:tgtEl>
+                                        <p:attrNameLst>
+                                          <p:attrName>style.visibility</p:attrName>
+                                        </p:attrNameLst>
+                                      </p:cBhvr>
+                                      <p:to>
+                                        <p:strVal val="visible"/>
+                                      </p:to>
+                                    </p:set>
+                                  </p:childTnLst>
+                                </p:cTn>
+                              </p:par>
+                            </p:childTnLst>
+                          </p:cTn>
+                        </p:par>
+                      </p:childTnLst>
+                    </p:cTn>
+                  </p:par>
+                  <p:par>
+                    <p:cTn id="13" fill="hold">
+                      <p:stCondLst>
+                        <p:cond delay="indefinite"/>
+                      </p:stCondLst>
+                      <p:childTnLst>
+                        <p:par>
+                          <p:cTn id="14" fill="hold">
+                            <p:stCondLst>
+                              <p:cond delay="0"/>
+                            </p:stCondLst>
+                            <p:childTnLst>
+                              <p:par>
+                                <p:cTn id="15" presetID="1" presetClass="entr" presetSubtype="0" fill="hold" grpId="0" nodeType="clickEffect">
+                                  <p:stCondLst>
+                                    <p:cond delay="0"/>
+                                  </p:stCondLst>
+                                  <p:childTnLst>
+                                    <p:set>
+                                      <p:cBhvr>
+                                        <p:cTn id="16" dur="1" fill="hold">
+                                          <p:stCondLst>
+                                            <p:cond delay="0"/>
+                                          </p:stCondLst>
+                                        </p:cTn>
+                                        <p:tgtEl>
+                                          <p:spTgt spid="112">
+                                            <p:txEl>
+                                              <p:pRg st="3" end="3"/>
+                                            </p:txEl>
+                                          </p:spTgt>
+                                        </p:tgtEl>
+                                        <p:attrNameLst>
+                                          <p:attrName>style.visibility</p:attrName>
+                                        </p:attrNameLst>
+                                      </p:cBhvr>
+                                      <p:to>
+                                        <p:strVal val="visible"/>
+                                      </p:to>
+                                    </p:set>
+                                  </p:childTnLst>
+                                </p:cTn>
+                              </p:par>
+                            </p:childTnLst>
+                          </p:cTn>
+                        </p:par>
+                      </p:childTnLst>
+                    </p:cTn>
+                  </p:par>
+                  <p:par>
+                    <p:cTn id="17" fill="hold">
+                      <p:stCondLst>
+                        <p:cond delay="indefinite"/>
+                      </p:stCondLst>
+                      <p:childTnLst>
+                        <p:par>
+                          <p:cTn id="18" fill="hold">
+                            <p:stCondLst>
+                              <p:cond delay="0"/>
+                            </p:stCondLst>
+                            <p:childTnLst>
+                              <p:par>
+                                <p:cTn id="19" presetID="1" presetClass="entr" presetSubtype="0" fill="hold" grpId="0" nodeType="clickEffect">
+                                  <p:stCondLst>
+                                    <p:cond delay="0"/>
+                                  </p:stCondLst>
+                                  <p:childTnLst>
+                                    <p:set>
+                                      <p:cBhvr>
+                                        <p:cTn id="20" dur="1" fill="hold">
+                                          <p:stCondLst>
+                                            <p:cond delay="0"/>
+                                          </p:stCondLst>
+                                        </p:cTn>
+                                        <p:tgtEl>
+                                          <p:spTgt spid="112">
+                                            <p:txEl>
+                                              <p:pRg st="4" end="4"/>
+                                            </p:txEl>
+                                          </p:spTgt>
+                                        </p:tgtEl>
+                                        <p:attrNameLst>
+                                          <p:attrName>style.visibility</p:attrName>
+                                        </p:attrNameLst>
+                                      </p:cBhvr>
+                                      <p:to>
+                                        <p:strVal val="visible"/>
+                                      </p:to>
+                                    </p:set>
+                                  </p:childTnLst>
+                                </p:cTn>
+                              </p:par>
+                              <p:par>
+                                <p:cTn id="21" presetID="1" presetClass="entr" presetSubtype="0" fill="hold" grpId="0" nodeType="withEffect">
+                                  <p:stCondLst>
+                                    <p:cond delay="0"/>
+                                  </p:stCondLst>
+                                  <p:childTnLst>
+                                    <p:set>
+                                      <p:cBhvr>
+                                        <p:cTn id="22" dur="1" fill="hold">
+                                          <p:stCondLst>
+                                            <p:cond delay="0"/>
+                                          </p:stCondLst>
+                                        </p:cTn>
+                                        <p:tgtEl>
+                                          <p:spTgt spid="112">
+                                            <p:txEl>
+                                              <p:pRg st="5" end="5"/>
+                                            </p:txEl>
+                                          </p:spTgt>
+                                        </p:tgtEl>
+                                        <p:attrNameLst>
+                                          <p:attrName>style.visibility</p:attrName>
+                                        </p:attrNameLst>
+                                      </p:cBhvr>
+                                      <p:to>
+                                        <p:strVal val="visible"/>
+                                      </p:to>
+                                    </p:set>
+                                  </p:childTnLst>
+                                </p:cTn>
+                              </p:par>
+                            </p:childTnLst>
+                          </p:cTn>
+                        </p:par>
+                      </p:childTnLst>
+                    </p:cTn>
+                  </p:par>
+                  <p:par>
+                    <p:cTn id="23" fill="hold">
+                      <p:stCondLst>
+                        <p:cond delay="indefinite"/>
+                      </p:stCondLst>
+                      <p:childTnLst>
+                        <p:par>
+                          <p:cTn id="24" fill="hold">
+                            <p:stCondLst>
+                              <p:cond delay="0"/>
+                            </p:stCondLst>
+                            <p:childTnLst>
+                              <p:par>
+                                <p:cTn id="25" presetID="1" presetClass="entr" presetSubtype="0" fill="hold" grpId="0" nodeType="clickEffect">
+                                  <p:stCondLst>
+                                    <p:cond delay="0"/>
+                                  </p:stCondLst>
+                                  <p:childTnLst>
+                                    <p:set>
+                                      <p:cBhvr>
+                                        <p:cTn id="26" dur="1" fill="hold">
+                                          <p:stCondLst>
+                                            <p:cond delay="0"/>
+                                          </p:stCondLst>
+                                        </p:cTn>
+                                        <p:tgtEl>
+                                          <p:spTgt spid="112">
+                                            <p:txEl>
+                                              <p:pRg st="6" end="6"/>
+                                            </p:txEl>
+                                          </p:spTgt>
+                                        </p:tgtEl>
+                                        <p:attrNameLst>
+                                          <p:attrName>style.visibility</p:attrName>
+                                        </p:attrNameLst>
+                                      </p:cBhvr>
+                                      <p:to>
+                                        <p:strVal val="visible"/>
+                                      </p:to>
+                                    </p:set>
+                                  </p:childTnLst>
+                                </p:cTn>
+                              </p:par>
+                            </p:childTnLst>
+                          </p:cTn>
+                        </p:par>
+                      </p:childTnLst>
+                    </p:cTn>
+                  </p:par>
+                  <p:par>
+                    <p:cTn id="27" fill="hold">
+                      <p:stCondLst>
+                        <p:cond delay="indefinite"/>
+                      </p:stCondLst>
+                      <p:childTnLst>
+                        <p:par>
+                          <p:cTn id="28" fill="hold">
+                            <p:stCondLst>
+                              <p:cond delay="0"/>
+                            </p:stCondLst>
+                            <p:childTnLst>
+                              <p:par>
+                                <p:cTn id="29" presetID="1" presetClass="entr" presetSubtype="0" fill="hold" grpId="0" nodeType="clickEffect">
+                                  <p:stCondLst>
+                                    <p:cond delay="0"/>
+                                  </p:stCondLst>
+                                  <p:childTnLst>
+                                    <p:set>
+                                      <p:cBhvr>
+                                        <p:cTn id="30" dur="1" fill="hold">
+                                          <p:stCondLst>
+                                            <p:cond delay="0"/>
+                                          </p:stCondLst>
+                                        </p:cTn>
+                                        <p:tgtEl>
+                                          <p:spTgt spid="112">
+                                            <p:txEl>
+                                              <p:pRg st="7" end="7"/>
+                                            </p:txEl>
+                                          </p:spTgt>
+                                        </p:tgtEl>
+                                        <p:attrNameLst>
+                                          <p:attrName>style.visibility</p:attrName>
+                                        </p:attrNameLst>
+                                      </p:cBhvr>
+                                      <p:to>
+                                        <p:strVal val="visible"/>
+                                      </p:to>
+                                    </p:set>
+                                  </p:childTnLst>
+                                </p:cTn>
+                              </p:par>
+                              <p:par>
+                                <p:cTn id="31" presetID="1" presetClass="entr" presetSubtype="0" fill="hold" grpId="0" nodeType="withEffect">
+                                  <p:stCondLst>
+                                    <p:cond delay="0"/>
+                                  </p:stCondLst>
+                                  <p:childTnLst>
+                                    <p:set>
+                                      <p:cBhvr>
+                                        <p:cTn id="32" dur="1" fill="hold">
+                                          <p:stCondLst>
+                                            <p:cond delay="0"/>
+                                          </p:stCondLst>
+                                        </p:cTn>
+                                        <p:tgtEl>
+                                          <p:spTgt spid="112">
+                                            <p:txEl>
+                                              <p:pRg st="8" end="8"/>
+                                            </p:txEl>
+                                          </p:spTgt>
+                                        </p:tgtEl>
+                                        <p:attrNameLst>
+                                          <p:attrName>style.visibility</p:attrName>
+                                        </p:attrNameLst>
+                                      </p:cBhvr>
+                                      <p:to>
+                                        <p:strVal val="visible"/>
+                                      </p:to>
+                                    </p:set>
+                                  </p:childTnLst>
+                                </p:cTn>
+                              </p:par>
+                              <p:par>
+                                <p:cTn id="33" presetID="1" presetClass="entr" presetSubtype="0" fill="hold" grpId="0" nodeType="withEffect">
+                                  <p:stCondLst>
+                                    <p:cond delay="0"/>
+                                  </p:stCondLst>
+                                  <p:childTnLst>
+                                    <p:set>
+                                      <p:cBhvr>
+                                        <p:cTn id="34" dur="1" fill="hold">
+                                          <p:stCondLst>
+                                            <p:cond delay="0"/>
+                                          </p:stCondLst>
+                                        </p:cTn>
+                                        <p:tgtEl>
+                                          <p:spTgt spid="112">
+                                            <p:txEl>
+                                              <p:pRg st="9" end="9"/>
+                                            </p:txEl>
+                                          </p:spTgt>
+                                        </p:tgtEl>
+                                        <p:attrNameLst>
+                                          <p:attrName>style.visibility</p:attrName>
+                                        </p:attrNameLst>
+                                      </p:cBhvr>
+                                      <p:to>
+                                        <p:strVal val="visible"/>
+                                      </p:to>
+                                    </p:set>
+                                  </p:childTnLst>
+                                </p:cTn>
+                              </p:par>
+                              <p:par>
+                                <p:cTn id="35" presetID="1" presetClass="entr" presetSubtype="0" fill="hold" grpId="0" nodeType="withEffect">
+                                  <p:stCondLst>
+                                    <p:cond delay="0"/>
+                                  </p:stCondLst>
+                                  <p:childTnLst>
+                                    <p:set>
+                                      <p:cBhvr>
+                                        <p:cTn id="36" dur="1" fill="hold">
+                                          <p:stCondLst>
+                                            <p:cond delay="0"/>
+                                          </p:stCondLst>
+                                        </p:cTn>
+                                        <p:tgtEl>
+                                          <p:spTgt spid="112">
+                                            <p:txEl>
+                                              <p:pRg st="10" end="10"/>
+                                            </p:txEl>
+                                          </p:spTgt>
+                                        </p:tgtEl>
+                                        <p:attrNameLst>
+                                          <p:attrName>style.visibility</p:attrName>
+                                        </p:attrNameLst>
+                                      </p:cBhvr>
+                                      <p:to>
+                                        <p:strVal val="visible"/>
+                                      </p:to>
+                                    </p:set>
+                                  </p:childTnLst>
+                                </p:cTn>
+                              </p:par>
+                              <p:par>
+                                <p:cTn id="37" presetID="1" presetClass="entr" presetSubtype="0" fill="hold" grpId="0" nodeType="withEffect">
+                                  <p:stCondLst>
+                                    <p:cond delay="0"/>
+                                  </p:stCondLst>
+                                  <p:childTnLst>
+                                    <p:set>
+                                      <p:cBhvr>
+                                        <p:cTn id="38" dur="1" fill="hold">
+                                          <p:stCondLst>
+                                            <p:cond delay="0"/>
+                                          </p:stCondLst>
+                                        </p:cTn>
+                                        <p:tgtEl>
+                                          <p:spTgt spid="112">
+                                            <p:txEl>
+                                              <p:pRg st="11" end="11"/>
+                                            </p:txEl>
+                                          </p:spTgt>
+                                        </p:tgtEl>
+                                        <p:attrNameLst>
+                                          <p:attrName>style.visibility</p:attrName>
+                                        </p:attrNameLst>
+                                      </p:cBhvr>
+                                      <p:to>
+                                        <p:strVal val="visible"/>
+                                      </p:to>
+                                    </p:set>
+                                  </p:childTnLst>
+                                </p:cTn>
+                              </p:par>
+                            </p:childTnLst>
+                          </p:cTn>
+                        </p:par>
+                      </p:childTnLst>
+                    </p:cTn>
+                  </p:par>
+                </p:childTnLst>
+              </p:cTn>
+              <p:prevCondLst>
+                <p:cond evt="onPrev" delay="0">
+                  <p:tgtEl>
+                    <p:sldTgt/>
+                  </p:tgtEl>
+                </p:cond>
+              </p:prevCondLst>
+              <p:nextCondLst>
+                <p:cond evt="onNext" delay="0">
+                  <p:tgtEl>
+                    <p:sldTgt/>
+                  </p:tgtEl>
+                </p:cond>
+              </p:nextCondLst>
+            </p:seq>
+          </p:childTnLst>
+        </p:cTn>
       </p:par>
     </p:tnLst>
+    <p:bldLst>
+      <p:bldP spid="112" grpId="0" uiExpand="1" build="p"/>
+    </p:bldLst>
   </p:timing>
 </p:sld>
 </file>
@@ -18215,7 +18754,54 @@
               <a:defRPr sz="5148"/>
             </a:pPr>
             <a:r>
-              <a:rPr sz="3000" b="1" dirty="0">
+              <a:rPr lang="en-US" sz="3000" b="1" dirty="0" smtClean="0">
+                <a:latin typeface="Calibri" charset="0"/>
+                <a:ea typeface="Calibri" charset="0"/>
+                <a:cs typeface="Calibri" charset="0"/>
+                <a:sym typeface="Helvetica"/>
+              </a:rPr>
+              <a:t>Deployment</a:t>
+            </a:r>
+            <a:r>
+              <a:rPr lang="en-US" sz="3000" dirty="0" smtClean="0">
+                <a:latin typeface="Calibri" charset="0"/>
+                <a:ea typeface="Calibri" charset="0"/>
+                <a:cs typeface="Calibri" charset="0"/>
+              </a:rPr>
+              <a:t>: </a:t>
+            </a:r>
+            <a:r>
+              <a:rPr lang="en-US" sz="3000" dirty="0">
+                <a:latin typeface="Calibri" charset="0"/>
+                <a:ea typeface="Calibri" charset="0"/>
+                <a:cs typeface="Calibri" charset="0"/>
+              </a:rPr>
+              <a:t>manages the lifecycle of pods and ensures specified number </a:t>
+            </a:r>
+            <a:r>
+              <a:rPr lang="en-US" sz="3000" dirty="0" smtClean="0">
+                <a:latin typeface="Calibri" charset="0"/>
+                <a:ea typeface="Calibri" charset="0"/>
+                <a:cs typeface="Calibri" charset="0"/>
+              </a:rPr>
+              <a:t>of replicas are running</a:t>
+            </a:r>
+            <a:endParaRPr lang="en-US" sz="3000" b="1" dirty="0" smtClean="0">
+              <a:latin typeface="Calibri" charset="0"/>
+              <a:ea typeface="Calibri" charset="0"/>
+              <a:cs typeface="Calibri" charset="0"/>
+              <a:sym typeface="Helvetica"/>
+            </a:endParaRPr>
+          </a:p>
+          <a:p>
+            <a:pPr marL="113152" indent="-113152" defTabSz="408602">
+              <a:spcBef>
+                <a:spcPts val="751"/>
+              </a:spcBef>
+              <a:defRPr sz="5148"/>
+            </a:pPr>
+            <a:r>
+              <a:rPr sz="3000" b="1" dirty="0" smtClean="0">
                 <a:latin typeface="Calibri" charset="0"/>
                 <a:ea typeface="Calibri" charset="0"/>
                 <a:cs typeface="Calibri" charset="0"/>
@@ -18245,37 +18831,7 @@
               <a:defRPr sz="5148"/>
             </a:pPr>
             <a:r>
-              <a:rPr lang="en-US" sz="3000" b="1" dirty="0">
-                <a:latin typeface="Calibri" charset="0"/>
-                <a:ea typeface="Calibri" charset="0"/>
-                <a:cs typeface="Calibri" charset="0"/>
-                <a:sym typeface="Helvetica"/>
-              </a:rPr>
-              <a:t>Replication Set</a:t>
-            </a:r>
-            <a:r>
-              <a:rPr lang="en-US" sz="3000" dirty="0">
-                <a:latin typeface="Calibri" charset="0"/>
-                <a:ea typeface="Calibri" charset="0"/>
-                <a:cs typeface="Calibri" charset="0"/>
-              </a:rPr>
-              <a:t>: manages the lifecycle of pods and ensures specified number are running</a:t>
-            </a:r>
-            <a:endParaRPr sz="3000" dirty="0">
-              <a:latin typeface="Calibri" charset="0"/>
-              <a:ea typeface="Calibri" charset="0"/>
-              <a:cs typeface="Calibri" charset="0"/>
-            </a:endParaRPr>
-          </a:p>
-          <a:p>
-            <a:pPr marL="113152" indent="-113152" defTabSz="408602">
-              <a:spcBef>
-                <a:spcPts val="751"/>
-              </a:spcBef>
-              <a:defRPr sz="5148"/>
-            </a:pPr>
-            <a:r>
-              <a:rPr sz="3000" b="1" dirty="0">
+              <a:rPr sz="3000" b="1" dirty="0" smtClean="0">
                 <a:latin typeface="Calibri" charset="0"/>
                 <a:ea typeface="Calibri" charset="0"/>
                 <a:cs typeface="Calibri" charset="0"/>
@@ -19885,39 +20441,26 @@
                                   </p:childTnLst>
                                 </p:cTn>
                               </p:par>
+                            </p:childTnLst>
+                          </p:cTn>
+                        </p:par>
+                      </p:childTnLst>
+                    </p:cTn>
+                  </p:par>
+                  <p:par>
+                    <p:cTn id="9" fill="hold">
+                      <p:stCondLst>
+                        <p:cond delay="indefinite"/>
+                      </p:stCondLst>
+                      <p:childTnLst>
+                        <p:par>
+                          <p:cTn id="10" fill="hold">
+                            <p:stCondLst>
+                              <p:cond delay="0"/>
+                            </p:stCondLst>
+                            <p:childTnLst>
                               <p:par>
-                                <p:cTn id="9" presetID="1" presetClass="entr" presetSubtype="0" fill="hold" grpId="0" nodeType="withEffect">
-                                  <p:stCondLst>
-                                    <p:cond delay="0"/>
-                                  </p:stCondLst>
-                                  <p:childTnLst>
-                                    <p:set>
-                                      <p:cBhvr>
-                                        <p:cTn id="10" dur="1" fill="hold">
-                                          <p:stCondLst>
-                                            <p:cond delay="0"/>
-                                          </p:stCondLst>
-                                        </p:cTn>
-                                        <p:tgtEl>
-                                          <p:spTgt spid="116">
-                                            <p:txEl>
-                                              <p:pRg st="1" end="1"/>
-                                            </p:txEl>
-                                          </p:spTgt>
-                                        </p:tgtEl>
-                                        <p:attrNameLst>
-                                          <p:attrName>style.visibility</p:attrName>
-                                        </p:attrNameLst>
-                                      </p:cBhvr>
-                                      <p:to>
-                                        <p:strVal val="visible"/>
-                                      </p:to>
-                                    </p:set>
-                                  </p:childTnLst>
-                                </p:cTn>
-                              </p:par>
-                              <p:par>
-                                <p:cTn id="11" presetID="1" presetClass="entr" presetSubtype="0" fill="hold" grpId="0" nodeType="withEffect">
+                                <p:cTn id="11" presetID="1" presetClass="entr" presetSubtype="0" fill="hold" grpId="0" nodeType="clickEffect">
                                   <p:stCondLst>
                                     <p:cond delay="0"/>
                                   </p:stCondLst>
@@ -19932,7 +20475,7 @@
                                         <p:tgtEl>
                                           <p:spTgt spid="116">
                                             <p:txEl>
-                                              <p:pRg st="2" end="2"/>
+                                              <p:pRg st="1" end="1"/>
                                             </p:txEl>
                                           </p:spTgt>
                                         </p:tgtEl>
@@ -19963,6 +20506,37 @@
                                         <p:tgtEl>
                                           <p:spTgt spid="116">
                                             <p:txEl>
+                                              <p:pRg st="2" end="2"/>
+                                            </p:txEl>
+                                          </p:spTgt>
+                                        </p:tgtEl>
+                                        <p:attrNameLst>
+                                          <p:attrName>style.visibility</p:attrName>
+                                        </p:attrNameLst>
+                                      </p:cBhvr>
+                                      <p:to>
+                                        <p:strVal val="visible"/>
+                                      </p:to>
+                                    </p:set>
+                                  </p:childTnLst>
+                                </p:cTn>
+                              </p:par>
+                              <p:par>
+                                <p:cTn id="15" presetID="1" presetClass="entr" presetSubtype="0" fill="hold" grpId="0" nodeType="withEffect">
+                                  <p:stCondLst>
+                                    <p:cond delay="0"/>
+                                  </p:stCondLst>
+                                  <p:childTnLst>
+                                    <p:set>
+                                      <p:cBhvr>
+                                        <p:cTn id="16" dur="1" fill="hold">
+                                          <p:stCondLst>
+                                            <p:cond delay="0"/>
+                                          </p:stCondLst>
+                                        </p:cTn>
+                                        <p:tgtEl>
+                                          <p:spTgt spid="116">
+                                            <p:txEl>
                                               <p:pRg st="3" end="3"/>
                                             </p:txEl>
                                           </p:spTgt>
@@ -19985,46 +20559,19 @@
                     </p:cTn>
                   </p:par>
                   <p:par>
-                    <p:cTn id="15" fill="hold">
+                    <p:cTn id="17" fill="hold">
                       <p:stCondLst>
                         <p:cond delay="indefinite"/>
                       </p:stCondLst>
                       <p:childTnLst>
                         <p:par>
-                          <p:cTn id="16" fill="hold">
+                          <p:cTn id="18" fill="hold">
                             <p:stCondLst>
                               <p:cond delay="0"/>
                             </p:stCondLst>
                             <p:childTnLst>
                               <p:par>
-                                <p:cTn id="17" presetID="1" presetClass="entr" presetSubtype="0" fill="hold" nodeType="clickEffect">
-                                  <p:stCondLst>
-                                    <p:cond delay="0"/>
-                                  </p:stCondLst>
-                                  <p:childTnLst>
-                                    <p:set>
-                                      <p:cBhvr>
-                                        <p:cTn id="18" dur="1" fill="hold">
-                                          <p:stCondLst>
-                                            <p:cond delay="0"/>
-                                          </p:stCondLst>
-                                        </p:cTn>
-                                        <p:tgtEl>
-                                          <p:spTgt spid="9"/>
-                                        </p:tgtEl>
-                                        <p:attrNameLst>
-                                          <p:attrName>style.visibility</p:attrName>
-                                        </p:attrNameLst>
-                                      </p:cBhvr>
-                                      <p:to>
-                                        <p:strVal val="visible"/>
-                                      </p:to>
-                                    </p:set>
-                                  </p:childTnLst>
-                                </p:cTn>
-                              </p:par>
-                              <p:par>
-                                <p:cTn id="19" presetID="1" presetClass="entr" presetSubtype="0" fill="hold" nodeType="withEffect">
+                                <p:cTn id="19" presetID="1" presetClass="entr" presetSubtype="0" fill="hold" nodeType="clickEffect">
                                   <p:stCondLst>
                                     <p:cond delay="0"/>
                                   </p:stCondLst>
@@ -20037,7 +20584,7 @@
                                           </p:stCondLst>
                                         </p:cTn>
                                         <p:tgtEl>
-                                          <p:spTgt spid="44"/>
+                                          <p:spTgt spid="9"/>
                                         </p:tgtEl>
                                         <p:attrNameLst>
                                           <p:attrName>style.visibility</p:attrName>
@@ -20059,6 +20606,33 @@
                                     <p:set>
                                       <p:cBhvr>
                                         <p:cTn id="22" dur="1" fill="hold">
+                                          <p:stCondLst>
+                                            <p:cond delay="0"/>
+                                          </p:stCondLst>
+                                        </p:cTn>
+                                        <p:tgtEl>
+                                          <p:spTgt spid="44"/>
+                                        </p:tgtEl>
+                                        <p:attrNameLst>
+                                          <p:attrName>style.visibility</p:attrName>
+                                        </p:attrNameLst>
+                                      </p:cBhvr>
+                                      <p:to>
+                                        <p:strVal val="visible"/>
+                                      </p:to>
+                                    </p:set>
+                                  </p:childTnLst>
+                                </p:cTn>
+                              </p:par>
+                              <p:par>
+                                <p:cTn id="23" presetID="1" presetClass="entr" presetSubtype="0" fill="hold" nodeType="withEffect">
+                                  <p:stCondLst>
+                                    <p:cond delay="0"/>
+                                  </p:stCondLst>
+                                  <p:childTnLst>
+                                    <p:set>
+                                      <p:cBhvr>
+                                        <p:cTn id="24" dur="1" fill="hold">
                                           <p:stCondLst>
                                             <p:cond delay="0"/>
                                           </p:stCondLst>
@@ -20217,31 +20791,7 @@
               <a:defRPr sz="5148"/>
             </a:pPr>
             <a:r>
-              <a:rPr lang="en-US" sz="3000" b="1" dirty="0">
-                <a:latin typeface="Calibri" charset="0"/>
-                <a:ea typeface="Calibri" charset="0"/>
-                <a:cs typeface="Calibri" charset="0"/>
-              </a:rPr>
-              <a:t>Deployments</a:t>
-            </a:r>
-            <a:r>
-              <a:rPr lang="en-US" sz="3000" dirty="0">
-                <a:latin typeface="Calibri" charset="0"/>
-                <a:ea typeface="Calibri" charset="0"/>
-                <a:cs typeface="Calibri" charset="0"/>
-              </a:rPr>
-              <a:t>: Declarative version updates</a:t>
-            </a:r>
-          </a:p>
-          <a:p>
-            <a:pPr marL="113152" indent="-113152" defTabSz="408602">
-              <a:spcBef>
-                <a:spcPts val="751"/>
-              </a:spcBef>
-              <a:defRPr sz="5148"/>
-            </a:pPr>
-            <a:r>
-              <a:rPr lang="en-US" sz="3000" b="1" dirty="0">
+              <a:rPr lang="en-US" sz="3000" b="1" dirty="0" smtClean="0">
                 <a:latin typeface="Calibri" charset="0"/>
                 <a:ea typeface="Calibri" charset="0"/>
                 <a:cs typeface="Calibri" charset="0"/>
@@ -20454,9 +21004,378 @@
   <p:timing>
     <p:tnLst>
       <p:par>
-        <p:cTn id="1" dur="indefinite" restart="never" fill="hold" nodeType="tmRoot"/>
+        <p:cTn id="1" dur="indefinite" restart="never" fill="hold" nodeType="tmRoot">
+          <p:childTnLst>
+            <p:seq concurrent="1" nextAc="seek">
+              <p:cTn id="2" dur="indefinite" nodeType="mainSeq">
+                <p:childTnLst>
+                  <p:par>
+                    <p:cTn id="3" fill="hold">
+                      <p:stCondLst>
+                        <p:cond delay="indefinite"/>
+                      </p:stCondLst>
+                      <p:childTnLst>
+                        <p:par>
+                          <p:cTn id="4" fill="hold">
+                            <p:stCondLst>
+                              <p:cond delay="0"/>
+                            </p:stCondLst>
+                            <p:childTnLst>
+                              <p:par>
+                                <p:cTn id="5" presetID="1" presetClass="entr" presetSubtype="0" fill="hold" grpId="0" nodeType="clickEffect">
+                                  <p:stCondLst>
+                                    <p:cond delay="0"/>
+                                  </p:stCondLst>
+                                  <p:childTnLst>
+                                    <p:set>
+                                      <p:cBhvr>
+                                        <p:cTn id="6" dur="1" fill="hold">
+                                          <p:stCondLst>
+                                            <p:cond delay="0"/>
+                                          </p:stCondLst>
+                                        </p:cTn>
+                                        <p:tgtEl>
+                                          <p:spTgt spid="116">
+                                            <p:txEl>
+                                              <p:pRg st="0" end="0"/>
+                                            </p:txEl>
+                                          </p:spTgt>
+                                        </p:tgtEl>
+                                        <p:attrNameLst>
+                                          <p:attrName>style.visibility</p:attrName>
+                                        </p:attrNameLst>
+                                      </p:cBhvr>
+                                      <p:to>
+                                        <p:strVal val="visible"/>
+                                      </p:to>
+                                    </p:set>
+                                  </p:childTnLst>
+                                </p:cTn>
+                              </p:par>
+                            </p:childTnLst>
+                          </p:cTn>
+                        </p:par>
+                      </p:childTnLst>
+                    </p:cTn>
+                  </p:par>
+                  <p:par>
+                    <p:cTn id="7" fill="hold">
+                      <p:stCondLst>
+                        <p:cond delay="indefinite"/>
+                      </p:stCondLst>
+                      <p:childTnLst>
+                        <p:par>
+                          <p:cTn id="8" fill="hold">
+                            <p:stCondLst>
+                              <p:cond delay="0"/>
+                            </p:stCondLst>
+                            <p:childTnLst>
+                              <p:par>
+                                <p:cTn id="9" presetID="1" presetClass="entr" presetSubtype="0" fill="hold" grpId="0" nodeType="clickEffect">
+                                  <p:stCondLst>
+                                    <p:cond delay="0"/>
+                                  </p:stCondLst>
+                                  <p:childTnLst>
+                                    <p:set>
+                                      <p:cBhvr>
+                                        <p:cTn id="10" dur="1" fill="hold">
+                                          <p:stCondLst>
+                                            <p:cond delay="0"/>
+                                          </p:stCondLst>
+                                        </p:cTn>
+                                        <p:tgtEl>
+                                          <p:spTgt spid="116">
+                                            <p:txEl>
+                                              <p:pRg st="1" end="1"/>
+                                            </p:txEl>
+                                          </p:spTgt>
+                                        </p:tgtEl>
+                                        <p:attrNameLst>
+                                          <p:attrName>style.visibility</p:attrName>
+                                        </p:attrNameLst>
+                                      </p:cBhvr>
+                                      <p:to>
+                                        <p:strVal val="visible"/>
+                                      </p:to>
+                                    </p:set>
+                                  </p:childTnLst>
+                                </p:cTn>
+                              </p:par>
+                            </p:childTnLst>
+                          </p:cTn>
+                        </p:par>
+                      </p:childTnLst>
+                    </p:cTn>
+                  </p:par>
+                  <p:par>
+                    <p:cTn id="11" fill="hold">
+                      <p:stCondLst>
+                        <p:cond delay="indefinite"/>
+                      </p:stCondLst>
+                      <p:childTnLst>
+                        <p:par>
+                          <p:cTn id="12" fill="hold">
+                            <p:stCondLst>
+                              <p:cond delay="0"/>
+                            </p:stCondLst>
+                            <p:childTnLst>
+                              <p:par>
+                                <p:cTn id="13" presetID="1" presetClass="entr" presetSubtype="0" fill="hold" grpId="0" nodeType="clickEffect">
+                                  <p:stCondLst>
+                                    <p:cond delay="0"/>
+                                  </p:stCondLst>
+                                  <p:childTnLst>
+                                    <p:set>
+                                      <p:cBhvr>
+                                        <p:cTn id="14" dur="1" fill="hold">
+                                          <p:stCondLst>
+                                            <p:cond delay="0"/>
+                                          </p:stCondLst>
+                                        </p:cTn>
+                                        <p:tgtEl>
+                                          <p:spTgt spid="116">
+                                            <p:txEl>
+                                              <p:pRg st="2" end="2"/>
+                                            </p:txEl>
+                                          </p:spTgt>
+                                        </p:tgtEl>
+                                        <p:attrNameLst>
+                                          <p:attrName>style.visibility</p:attrName>
+                                        </p:attrNameLst>
+                                      </p:cBhvr>
+                                      <p:to>
+                                        <p:strVal val="visible"/>
+                                      </p:to>
+                                    </p:set>
+                                  </p:childTnLst>
+                                </p:cTn>
+                              </p:par>
+                            </p:childTnLst>
+                          </p:cTn>
+                        </p:par>
+                      </p:childTnLst>
+                    </p:cTn>
+                  </p:par>
+                  <p:par>
+                    <p:cTn id="15" fill="hold">
+                      <p:stCondLst>
+                        <p:cond delay="indefinite"/>
+                      </p:stCondLst>
+                      <p:childTnLst>
+                        <p:par>
+                          <p:cTn id="16" fill="hold">
+                            <p:stCondLst>
+                              <p:cond delay="0"/>
+                            </p:stCondLst>
+                            <p:childTnLst>
+                              <p:par>
+                                <p:cTn id="17" presetID="1" presetClass="entr" presetSubtype="0" fill="hold" grpId="0" nodeType="clickEffect">
+                                  <p:stCondLst>
+                                    <p:cond delay="0"/>
+                                  </p:stCondLst>
+                                  <p:childTnLst>
+                                    <p:set>
+                                      <p:cBhvr>
+                                        <p:cTn id="18" dur="1" fill="hold">
+                                          <p:stCondLst>
+                                            <p:cond delay="0"/>
+                                          </p:stCondLst>
+                                        </p:cTn>
+                                        <p:tgtEl>
+                                          <p:spTgt spid="116">
+                                            <p:txEl>
+                                              <p:pRg st="3" end="3"/>
+                                            </p:txEl>
+                                          </p:spTgt>
+                                        </p:tgtEl>
+                                        <p:attrNameLst>
+                                          <p:attrName>style.visibility</p:attrName>
+                                        </p:attrNameLst>
+                                      </p:cBhvr>
+                                      <p:to>
+                                        <p:strVal val="visible"/>
+                                      </p:to>
+                                    </p:set>
+                                  </p:childTnLst>
+                                </p:cTn>
+                              </p:par>
+                            </p:childTnLst>
+                          </p:cTn>
+                        </p:par>
+                      </p:childTnLst>
+                    </p:cTn>
+                  </p:par>
+                  <p:par>
+                    <p:cTn id="19" fill="hold">
+                      <p:stCondLst>
+                        <p:cond delay="indefinite"/>
+                      </p:stCondLst>
+                      <p:childTnLst>
+                        <p:par>
+                          <p:cTn id="20" fill="hold">
+                            <p:stCondLst>
+                              <p:cond delay="0"/>
+                            </p:stCondLst>
+                            <p:childTnLst>
+                              <p:par>
+                                <p:cTn id="21" presetID="1" presetClass="entr" presetSubtype="0" fill="hold" grpId="0" nodeType="clickEffect">
+                                  <p:stCondLst>
+                                    <p:cond delay="0"/>
+                                  </p:stCondLst>
+                                  <p:childTnLst>
+                                    <p:set>
+                                      <p:cBhvr>
+                                        <p:cTn id="22" dur="1" fill="hold">
+                                          <p:stCondLst>
+                                            <p:cond delay="0"/>
+                                          </p:stCondLst>
+                                        </p:cTn>
+                                        <p:tgtEl>
+                                          <p:spTgt spid="116">
+                                            <p:txEl>
+                                              <p:pRg st="4" end="4"/>
+                                            </p:txEl>
+                                          </p:spTgt>
+                                        </p:tgtEl>
+                                        <p:attrNameLst>
+                                          <p:attrName>style.visibility</p:attrName>
+                                        </p:attrNameLst>
+                                      </p:cBhvr>
+                                      <p:to>
+                                        <p:strVal val="visible"/>
+                                      </p:to>
+                                    </p:set>
+                                  </p:childTnLst>
+                                </p:cTn>
+                              </p:par>
+                            </p:childTnLst>
+                          </p:cTn>
+                        </p:par>
+                      </p:childTnLst>
+                    </p:cTn>
+                  </p:par>
+                  <p:par>
+                    <p:cTn id="23" fill="hold">
+                      <p:stCondLst>
+                        <p:cond delay="indefinite"/>
+                      </p:stCondLst>
+                      <p:childTnLst>
+                        <p:par>
+                          <p:cTn id="24" fill="hold">
+                            <p:stCondLst>
+                              <p:cond delay="0"/>
+                            </p:stCondLst>
+                            <p:childTnLst>
+                              <p:par>
+                                <p:cTn id="25" presetID="1" presetClass="entr" presetSubtype="0" fill="hold" grpId="0" nodeType="clickEffect">
+                                  <p:stCondLst>
+                                    <p:cond delay="0"/>
+                                  </p:stCondLst>
+                                  <p:childTnLst>
+                                    <p:set>
+                                      <p:cBhvr>
+                                        <p:cTn id="26" dur="1" fill="hold">
+                                          <p:stCondLst>
+                                            <p:cond delay="0"/>
+                                          </p:stCondLst>
+                                        </p:cTn>
+                                        <p:tgtEl>
+                                          <p:spTgt spid="116">
+                                            <p:txEl>
+                                              <p:pRg st="5" end="5"/>
+                                            </p:txEl>
+                                          </p:spTgt>
+                                        </p:tgtEl>
+                                        <p:attrNameLst>
+                                          <p:attrName>style.visibility</p:attrName>
+                                        </p:attrNameLst>
+                                      </p:cBhvr>
+                                      <p:to>
+                                        <p:strVal val="visible"/>
+                                      </p:to>
+                                    </p:set>
+                                  </p:childTnLst>
+                                </p:cTn>
+                              </p:par>
+                            </p:childTnLst>
+                          </p:cTn>
+                        </p:par>
+                      </p:childTnLst>
+                    </p:cTn>
+                  </p:par>
+                  <p:par>
+                    <p:cTn id="27" fill="hold">
+                      <p:stCondLst>
+                        <p:cond delay="indefinite"/>
+                      </p:stCondLst>
+                      <p:childTnLst>
+                        <p:par>
+                          <p:cTn id="28" fill="hold">
+                            <p:stCondLst>
+                              <p:cond delay="0"/>
+                            </p:stCondLst>
+                            <p:childTnLst>
+                              <p:par>
+                                <p:cTn id="29" presetID="1" presetClass="entr" presetSubtype="0" fill="hold" grpId="0" nodeType="clickEffect">
+                                  <p:stCondLst>
+                                    <p:cond delay="0"/>
+                                  </p:stCondLst>
+                                  <p:childTnLst>
+                                    <p:set>
+                                      <p:cBhvr>
+                                        <p:cTn id="30" dur="1" fill="hold">
+                                          <p:stCondLst>
+                                            <p:cond delay="0"/>
+                                          </p:stCondLst>
+                                        </p:cTn>
+                                        <p:tgtEl>
+                                          <p:spTgt spid="116">
+                                            <p:txEl>
+                                              <p:pRg st="6" end="6"/>
+                                            </p:txEl>
+                                          </p:spTgt>
+                                        </p:tgtEl>
+                                        <p:attrNameLst>
+                                          <p:attrName>style.visibility</p:attrName>
+                                        </p:attrNameLst>
+                                      </p:cBhvr>
+                                      <p:to>
+                                        <p:strVal val="visible"/>
+                                      </p:to>
+                                    </p:set>
+                                  </p:childTnLst>
+                                </p:cTn>
+                              </p:par>
+                            </p:childTnLst>
+                          </p:cTn>
+                        </p:par>
+                      </p:childTnLst>
+                    </p:cTn>
+                  </p:par>
+                </p:childTnLst>
+              </p:cTn>
+              <p:prevCondLst>
+                <p:cond evt="onPrev" delay="0">
+                  <p:tgtEl>
+                    <p:sldTgt/>
+                  </p:tgtEl>
+                </p:cond>
+              </p:prevCondLst>
+              <p:nextCondLst>
+                <p:cond evt="onNext" delay="0">
+                  <p:tgtEl>
+                    <p:sldTgt/>
+                  </p:tgtEl>
+                </p:cond>
+              </p:nextCondLst>
+            </p:seq>
+          </p:childTnLst>
+        </p:cTn>
       </p:par>
     </p:tnLst>
+    <p:bldLst>
+      <p:bldP spid="116" grpId="0" uiExpand="1" build="p"/>
+    </p:bldLst>
   </p:timing>
 </p:sld>
 </file>
@@ -20681,7 +21600,7 @@
         <p:spPr>
           <a:xfrm>
             <a:off x="1497827" y="1197172"/>
-            <a:ext cx="9448755" cy="5632311"/>
+            <a:ext cx="9448755" cy="4893647"/>
           </a:xfrm>
           <a:prstGeom prst="rect">
             <a:avLst/>
@@ -20699,20 +21618,12 @@
               <a:buChar char="•"/>
             </a:pPr>
             <a:r>
+              <a:rPr lang="en-US" sz="2400" dirty="0" smtClean="0"/>
+              <a:t>Created by </a:t>
+            </a:r>
+            <a:r>
               <a:rPr lang="en-US" sz="2400" dirty="0"/>
-              <a:t>Owned by Kubernetes AWS </a:t>
-            </a:r>
-            <a:r>
-              <a:rPr lang="en-US" sz="2400" dirty="0"/>
-              <a:t>SIG; </a:t>
-            </a:r>
-            <a:r>
-              <a:rPr lang="en-US" sz="2400" dirty="0"/>
-              <a:t>successor </a:t>
-            </a:r>
-            <a:r>
-              <a:rPr lang="en-US" sz="2400" dirty="0"/>
-              <a:t>to </a:t>
+              <a:t>Kubernetes AWS SIG; successor to </a:t>
             </a:r>
             <a:r>
               <a:rPr lang="en-US" sz="2400" dirty="0" err="1"/>
@@ -20734,8 +21645,13 @@
             </a:pPr>
             <a:r>
               <a:rPr lang="en-US" sz="2400" dirty="0"/>
-              <a:t>CLI tool for launching and managing clusters</a:t>
-            </a:r>
+              <a:t>CLI tool for launching and managing </a:t>
+            </a:r>
+            <a:r>
+              <a:rPr lang="en-US" sz="2400" dirty="0" smtClean="0"/>
+              <a:t>clusters on AWS</a:t>
+            </a:r>
+            <a:endParaRPr lang="en-US" sz="2400" dirty="0"/>
           </a:p>
           <a:p>
             <a:pPr marL="380990" indent="-380990">
@@ -20751,8 +21667,13 @@
             </a:pPr>
             <a:r>
               <a:rPr lang="en-US" sz="2400" dirty="0"/>
-              <a:t>Can provision simple single-AZ clusters or multi-AZ production ready clusters</a:t>
-            </a:r>
+              <a:t>Can provision simple single-AZ clusters or multi-AZ </a:t>
+            </a:r>
+            <a:r>
+              <a:rPr lang="en-US" sz="2400" dirty="0" smtClean="0"/>
+              <a:t>clusters</a:t>
+            </a:r>
+            <a:endParaRPr lang="en-US" sz="2400" dirty="0"/>
           </a:p>
           <a:p>
             <a:pPr marL="380990" indent="-380990">
@@ -20768,7 +21689,32 @@
             </a:pPr>
             <a:r>
               <a:rPr lang="en-US" sz="2400" dirty="0"/>
-              <a:t>Provides choice of networking configuration</a:t>
+              <a:t>Stores cluster state in </a:t>
+            </a:r>
+            <a:r>
+              <a:rPr lang="en-US" sz="2400" dirty="0" smtClean="0"/>
+              <a:t>S3</a:t>
+            </a:r>
+          </a:p>
+          <a:p>
+            <a:pPr marL="380990" indent="-380990">
+              <a:buFont typeface="Arial" charset="0"/>
+              <a:buChar char="•"/>
+            </a:pPr>
+            <a:endParaRPr lang="en-US" sz="2400" dirty="0" smtClean="0"/>
+          </a:p>
+          <a:p>
+            <a:pPr marL="380990" indent="-380990">
+              <a:buFont typeface="Arial" charset="0"/>
+              <a:buChar char="•"/>
+            </a:pPr>
+            <a:r>
+              <a:rPr lang="en-US" sz="2400" dirty="0" smtClean="0"/>
+              <a:t>Provides </a:t>
+            </a:r>
+            <a:r>
+              <a:rPr lang="en-US" sz="2400" dirty="0"/>
+              <a:t>choice of networking configuration</a:t>
             </a:r>
           </a:p>
           <a:p>
@@ -20789,7 +21735,11 @@
             </a:r>
             <a:r>
               <a:rPr lang="en-US" sz="2400" dirty="0" smtClean="0"/>
-              <a:t>configuration in Route53</a:t>
+              <a:t>configuration in </a:t>
+            </a:r>
+            <a:r>
+              <a:rPr lang="en-US" sz="2400" dirty="0" smtClean="0"/>
+              <a:t>Route53, or gossip-based</a:t>
             </a:r>
             <a:endParaRPr lang="en-US" sz="2400" dirty="0"/>
           </a:p>
@@ -20819,32 +21769,12 @@
             </a:r>
             <a:r>
               <a:rPr lang="en-US" sz="2400" dirty="0" smtClean="0"/>
-              <a:t>and basic CloudFormation</a:t>
-            </a:r>
-            <a:endParaRPr lang="en-US" sz="2400" dirty="0"/>
-          </a:p>
-          <a:p>
-            <a:pPr marL="380990" indent="-380990">
-              <a:buFont typeface="Arial" charset="0"/>
-              <a:buChar char="•"/>
-            </a:pPr>
-            <a:endParaRPr lang="en-US" sz="2400" dirty="0"/>
-          </a:p>
-          <a:p>
-            <a:pPr marL="380990" indent="-380990">
-              <a:buFont typeface="Arial" charset="0"/>
-              <a:buChar char="•"/>
-            </a:pPr>
-            <a:r>
-              <a:rPr lang="en-US" sz="2400" dirty="0"/>
-              <a:t>Stores cluster state in S3</a:t>
-            </a:r>
-          </a:p>
-          <a:p>
-            <a:pPr marL="380990" indent="-380990">
-              <a:buFont typeface="Arial" charset="0"/>
-              <a:buChar char="•"/>
-            </a:pPr>
+              <a:t>and basic </a:t>
+            </a:r>
+            <a:r>
+              <a:rPr lang="en-US" sz="2400" dirty="0" err="1" smtClean="0"/>
+              <a:t>CloudFormation</a:t>
+            </a:r>
             <a:endParaRPr lang="en-US" sz="2400" dirty="0"/>
           </a:p>
         </p:txBody>
